--- a/Architecture.pptx
+++ b/Architecture.pptx
@@ -5,11 +5,12 @@
     <p:sldMasterId id="2147483648" r:id="rId1"/>
   </p:sldMasterIdLst>
   <p:notesMasterIdLst>
-    <p:notesMasterId r:id="rId4"/>
+    <p:notesMasterId r:id="rId5"/>
   </p:notesMasterIdLst>
   <p:sldIdLst>
     <p:sldId id="256" r:id="rId2"/>
     <p:sldId id="257" r:id="rId3"/>
+    <p:sldId id="258" r:id="rId4"/>
   </p:sldIdLst>
   <p:sldSz cx="12192000" cy="6858000"/>
   <p:notesSz cx="6858000" cy="9144000"/>
@@ -108,6 +109,11 @@
       </a:defRPr>
     </a:lvl9pPr>
   </p:defaultTextStyle>
+  <p:extLst>
+    <p:ext uri="{EFAFB233-063F-42B5-8137-9DF3F51BA10A}">
+      <p15:sldGuideLst xmlns:p15="http://schemas.microsoft.com/office/powerpoint/2012/main"/>
+    </p:ext>
+  </p:extLst>
 </p:presentation>
 </file>
 
@@ -193,7 +199,7 @@
           <a:p>
             <a:fld id="{9FC95094-FA37-8946-A549-FF98256AA275}" type="datetimeFigureOut">
               <a:rPr lang="en-US" smtClean="0"/>
-              <a:t>5/11/16</a:t>
+              <a:t>5/13/16</a:t>
             </a:fld>
             <a:endParaRPr lang="en-US"/>
           </a:p>
@@ -676,7 +682,7 @@
           <a:p>
             <a:fld id="{B1D92B3D-303B-1645-B158-27F062A1318E}" type="datetimeFigureOut">
               <a:rPr lang="en-US" smtClean="0"/>
-              <a:t>5/11/16</a:t>
+              <a:t>5/13/16</a:t>
             </a:fld>
             <a:endParaRPr lang="en-US"/>
           </a:p>
@@ -846,7 +852,7 @@
           <a:p>
             <a:fld id="{B1D92B3D-303B-1645-B158-27F062A1318E}" type="datetimeFigureOut">
               <a:rPr lang="en-US" smtClean="0"/>
-              <a:t>5/11/16</a:t>
+              <a:t>5/13/16</a:t>
             </a:fld>
             <a:endParaRPr lang="en-US"/>
           </a:p>
@@ -1026,7 +1032,7 @@
           <a:p>
             <a:fld id="{B1D92B3D-303B-1645-B158-27F062A1318E}" type="datetimeFigureOut">
               <a:rPr lang="en-US" smtClean="0"/>
-              <a:t>5/11/16</a:t>
+              <a:t>5/13/16</a:t>
             </a:fld>
             <a:endParaRPr lang="en-US"/>
           </a:p>
@@ -1196,7 +1202,7 @@
           <a:p>
             <a:fld id="{B1D92B3D-303B-1645-B158-27F062A1318E}" type="datetimeFigureOut">
               <a:rPr lang="en-US" smtClean="0"/>
-              <a:t>5/11/16</a:t>
+              <a:t>5/13/16</a:t>
             </a:fld>
             <a:endParaRPr lang="en-US"/>
           </a:p>
@@ -1442,7 +1448,7 @@
           <a:p>
             <a:fld id="{B1D92B3D-303B-1645-B158-27F062A1318E}" type="datetimeFigureOut">
               <a:rPr lang="en-US" smtClean="0"/>
-              <a:t>5/11/16</a:t>
+              <a:t>5/13/16</a:t>
             </a:fld>
             <a:endParaRPr lang="en-US"/>
           </a:p>
@@ -1674,7 +1680,7 @@
           <a:p>
             <a:fld id="{B1D92B3D-303B-1645-B158-27F062A1318E}" type="datetimeFigureOut">
               <a:rPr lang="en-US" smtClean="0"/>
-              <a:t>5/11/16</a:t>
+              <a:t>5/13/16</a:t>
             </a:fld>
             <a:endParaRPr lang="en-US"/>
           </a:p>
@@ -2041,7 +2047,7 @@
           <a:p>
             <a:fld id="{B1D92B3D-303B-1645-B158-27F062A1318E}" type="datetimeFigureOut">
               <a:rPr lang="en-US" smtClean="0"/>
-              <a:t>5/11/16</a:t>
+              <a:t>5/13/16</a:t>
             </a:fld>
             <a:endParaRPr lang="en-US"/>
           </a:p>
@@ -2159,7 +2165,7 @@
           <a:p>
             <a:fld id="{B1D92B3D-303B-1645-B158-27F062A1318E}" type="datetimeFigureOut">
               <a:rPr lang="en-US" smtClean="0"/>
-              <a:t>5/11/16</a:t>
+              <a:t>5/13/16</a:t>
             </a:fld>
             <a:endParaRPr lang="en-US"/>
           </a:p>
@@ -2254,7 +2260,7 @@
           <a:p>
             <a:fld id="{B1D92B3D-303B-1645-B158-27F062A1318E}" type="datetimeFigureOut">
               <a:rPr lang="en-US" smtClean="0"/>
-              <a:t>5/11/16</a:t>
+              <a:t>5/13/16</a:t>
             </a:fld>
             <a:endParaRPr lang="en-US"/>
           </a:p>
@@ -2531,7 +2537,7 @@
           <a:p>
             <a:fld id="{B1D92B3D-303B-1645-B158-27F062A1318E}" type="datetimeFigureOut">
               <a:rPr lang="en-US" smtClean="0"/>
-              <a:t>5/11/16</a:t>
+              <a:t>5/13/16</a:t>
             </a:fld>
             <a:endParaRPr lang="en-US"/>
           </a:p>
@@ -2784,7 +2790,7 @@
           <a:p>
             <a:fld id="{B1D92B3D-303B-1645-B158-27F062A1318E}" type="datetimeFigureOut">
               <a:rPr lang="en-US" smtClean="0"/>
-              <a:t>5/11/16</a:t>
+              <a:t>5/13/16</a:t>
             </a:fld>
             <a:endParaRPr lang="en-US"/>
           </a:p>
@@ -2997,7 +3003,7 @@
           <a:p>
             <a:fld id="{B1D92B3D-303B-1645-B158-27F062A1318E}" type="datetimeFigureOut">
               <a:rPr lang="en-US" smtClean="0"/>
-              <a:t>5/11/16</a:t>
+              <a:t>5/13/16</a:t>
             </a:fld>
             <a:endParaRPr lang="en-US"/>
           </a:p>
@@ -3749,11 +3755,7 @@
               </a:r>
               <a:r>
                 <a:rPr lang="en-US" sz="1200" dirty="0" smtClean="0"/>
-                <a:t> </a:t>
-              </a:r>
-              <a:r>
-                <a:rPr lang="en-US" sz="1200" dirty="0" smtClean="0"/>
-                <a:t>.</a:t>
+                <a:t> .</a:t>
               </a:r>
               <a:endParaRPr lang="en-US" sz="1200" dirty="0"/>
             </a:p>
@@ -7680,6 +7682,952 @@
     <p:extLst>
       <p:ext uri="{BB962C8B-B14F-4D97-AF65-F5344CB8AC3E}">
         <p14:creationId xmlns:p14="http://schemas.microsoft.com/office/powerpoint/2010/main" val="1074307441"/>
+      </p:ext>
+    </p:extLst>
+  </p:cSld>
+  <p:clrMapOvr>
+    <a:masterClrMapping/>
+  </p:clrMapOvr>
+</p:sld>
+</file>
+
+<file path=ppt/slides/slide3.xml><?xml version="1.0" encoding="utf-8"?>
+<p:sld xmlns:a="http://schemas.openxmlformats.org/drawingml/2006/main" xmlns:r="http://schemas.openxmlformats.org/officeDocument/2006/relationships" xmlns:p="http://schemas.openxmlformats.org/presentationml/2006/main">
+  <p:cSld>
+    <p:spTree>
+      <p:nvGrpSpPr>
+        <p:cNvPr id="1" name=""/>
+        <p:cNvGrpSpPr/>
+        <p:nvPr/>
+      </p:nvGrpSpPr>
+      <p:grpSpPr>
+        <a:xfrm>
+          <a:off x="0" y="0"/>
+          <a:ext cx="0" cy="0"/>
+          <a:chOff x="0" y="0"/>
+          <a:chExt cx="0" cy="0"/>
+        </a:xfrm>
+      </p:grpSpPr>
+      <p:grpSp>
+        <p:nvGrpSpPr>
+          <p:cNvPr id="12" name="Group 11"/>
+          <p:cNvGrpSpPr/>
+          <p:nvPr/>
+        </p:nvGrpSpPr>
+        <p:grpSpPr>
+          <a:xfrm>
+            <a:off x="283349" y="3329402"/>
+            <a:ext cx="11487149" cy="981434"/>
+            <a:chOff x="1773382" y="1108364"/>
+            <a:chExt cx="3269673" cy="1559049"/>
+          </a:xfrm>
+        </p:grpSpPr>
+        <p:sp>
+          <p:nvSpPr>
+            <p:cNvPr id="13" name="Rectangle 12"/>
+            <p:cNvSpPr/>
+            <p:nvPr/>
+          </p:nvSpPr>
+          <p:spPr>
+            <a:xfrm>
+              <a:off x="1773382" y="1108364"/>
+              <a:ext cx="3269673" cy="1559049"/>
+            </a:xfrm>
+            <a:prstGeom prst="rect">
+              <a:avLst/>
+            </a:prstGeom>
+            <a:noFill/>
+            <a:ln>
+              <a:solidFill>
+                <a:schemeClr val="tx1"/>
+              </a:solidFill>
+            </a:ln>
+          </p:spPr>
+          <p:style>
+            <a:lnRef idx="2">
+              <a:schemeClr val="accent1">
+                <a:shade val="50000"/>
+              </a:schemeClr>
+            </a:lnRef>
+            <a:fillRef idx="1">
+              <a:schemeClr val="accent1"/>
+            </a:fillRef>
+            <a:effectRef idx="0">
+              <a:schemeClr val="accent1"/>
+            </a:effectRef>
+            <a:fontRef idx="minor">
+              <a:schemeClr val="lt1"/>
+            </a:fontRef>
+          </p:style>
+          <p:txBody>
+            <a:bodyPr rtlCol="0" anchor="ctr"/>
+            <a:lstStyle/>
+            <a:p>
+              <a:pPr algn="ctr"/>
+              <a:endParaRPr lang="en-US"/>
+            </a:p>
+          </p:txBody>
+        </p:sp>
+        <p:sp>
+          <p:nvSpPr>
+            <p:cNvPr id="14" name="TextBox 13"/>
+            <p:cNvSpPr txBox="1"/>
+            <p:nvPr/>
+          </p:nvSpPr>
+          <p:spPr>
+            <a:xfrm>
+              <a:off x="2934154" y="1643429"/>
+              <a:ext cx="945949" cy="488917"/>
+            </a:xfrm>
+            <a:prstGeom prst="rect">
+              <a:avLst/>
+            </a:prstGeom>
+            <a:noFill/>
+          </p:spPr>
+          <p:txBody>
+            <a:bodyPr wrap="none" rtlCol="0">
+              <a:spAutoFit/>
+            </a:bodyPr>
+            <a:lstStyle/>
+            <a:p>
+              <a:r>
+                <a:rPr lang="en-US" sz="1400" b="1" dirty="0" err="1" smtClean="0"/>
+                <a:t>RedditPostPopularityPredictorControlUnit</a:t>
+              </a:r>
+              <a:endParaRPr lang="en-US" sz="1400" b="1" dirty="0"/>
+            </a:p>
+          </p:txBody>
+        </p:sp>
+      </p:grpSp>
+      <p:grpSp>
+        <p:nvGrpSpPr>
+          <p:cNvPr id="24" name="Group 23"/>
+          <p:cNvGrpSpPr/>
+          <p:nvPr/>
+        </p:nvGrpSpPr>
+        <p:grpSpPr>
+          <a:xfrm>
+            <a:off x="4798759" y="4931203"/>
+            <a:ext cx="2596347" cy="1068060"/>
+            <a:chOff x="1773382" y="1108364"/>
+            <a:chExt cx="3456053" cy="1559049"/>
+          </a:xfrm>
+        </p:grpSpPr>
+        <p:sp>
+          <p:nvSpPr>
+            <p:cNvPr id="25" name="Rectangle 24"/>
+            <p:cNvSpPr/>
+            <p:nvPr/>
+          </p:nvSpPr>
+          <p:spPr>
+            <a:xfrm>
+              <a:off x="1773382" y="1108364"/>
+              <a:ext cx="3269673" cy="1559049"/>
+            </a:xfrm>
+            <a:prstGeom prst="rect">
+              <a:avLst/>
+            </a:prstGeom>
+            <a:noFill/>
+            <a:ln>
+              <a:solidFill>
+                <a:schemeClr val="tx1"/>
+              </a:solidFill>
+            </a:ln>
+          </p:spPr>
+          <p:style>
+            <a:lnRef idx="2">
+              <a:schemeClr val="accent1">
+                <a:shade val="50000"/>
+              </a:schemeClr>
+            </a:lnRef>
+            <a:fillRef idx="1">
+              <a:schemeClr val="accent1"/>
+            </a:fillRef>
+            <a:effectRef idx="0">
+              <a:schemeClr val="accent1"/>
+            </a:effectRef>
+            <a:fontRef idx="minor">
+              <a:schemeClr val="lt1"/>
+            </a:fontRef>
+          </p:style>
+          <p:txBody>
+            <a:bodyPr rtlCol="0" anchor="ctr"/>
+            <a:lstStyle/>
+            <a:p>
+              <a:pPr algn="ctr"/>
+              <a:endParaRPr lang="en-US"/>
+            </a:p>
+          </p:txBody>
+        </p:sp>
+        <p:sp>
+          <p:nvSpPr>
+            <p:cNvPr id="26" name="TextBox 25"/>
+            <p:cNvSpPr txBox="1"/>
+            <p:nvPr/>
+          </p:nvSpPr>
+          <p:spPr>
+            <a:xfrm>
+              <a:off x="2474095" y="1675966"/>
+              <a:ext cx="2755340" cy="714083"/>
+            </a:xfrm>
+            <a:prstGeom prst="rect">
+              <a:avLst/>
+            </a:prstGeom>
+            <a:noFill/>
+          </p:spPr>
+          <p:txBody>
+            <a:bodyPr wrap="square" rtlCol="0">
+              <a:spAutoFit/>
+            </a:bodyPr>
+            <a:lstStyle/>
+            <a:p>
+              <a:r>
+                <a:rPr lang="en-US" sz="1400" b="1" smtClean="0"/>
+                <a:t>NeuralNetwork</a:t>
+              </a:r>
+              <a:endParaRPr lang="en-US" sz="1400" b="1" dirty="0"/>
+            </a:p>
+          </p:txBody>
+        </p:sp>
+      </p:grpSp>
+      <p:cxnSp>
+        <p:nvCxnSpPr>
+          <p:cNvPr id="73" name="Straight Arrow Connector 72"/>
+          <p:cNvCxnSpPr/>
+          <p:nvPr/>
+        </p:nvCxnSpPr>
+        <p:spPr>
+          <a:xfrm flipV="1">
+            <a:off x="10067035" y="2548082"/>
+            <a:ext cx="0" cy="745104"/>
+          </a:xfrm>
+          <a:prstGeom prst="straightConnector1">
+            <a:avLst/>
+          </a:prstGeom>
+          <a:ln>
+            <a:solidFill>
+              <a:srgbClr val="00B050"/>
+            </a:solidFill>
+            <a:tailEnd type="triangle"/>
+          </a:ln>
+        </p:spPr>
+        <p:style>
+          <a:lnRef idx="1">
+            <a:schemeClr val="accent1"/>
+          </a:lnRef>
+          <a:fillRef idx="0">
+            <a:schemeClr val="accent1"/>
+          </a:fillRef>
+          <a:effectRef idx="0">
+            <a:schemeClr val="accent1"/>
+          </a:effectRef>
+          <a:fontRef idx="minor">
+            <a:schemeClr val="tx1"/>
+          </a:fontRef>
+        </p:style>
+      </p:cxnSp>
+      <p:cxnSp>
+        <p:nvCxnSpPr>
+          <p:cNvPr id="74" name="Straight Arrow Connector 73"/>
+          <p:cNvCxnSpPr/>
+          <p:nvPr/>
+        </p:nvCxnSpPr>
+        <p:spPr>
+          <a:xfrm>
+            <a:off x="10325483" y="2548082"/>
+            <a:ext cx="0" cy="745104"/>
+          </a:xfrm>
+          <a:prstGeom prst="straightConnector1">
+            <a:avLst/>
+          </a:prstGeom>
+          <a:ln>
+            <a:solidFill>
+              <a:srgbClr val="FF0000"/>
+            </a:solidFill>
+            <a:tailEnd type="triangle"/>
+          </a:ln>
+        </p:spPr>
+        <p:style>
+          <a:lnRef idx="1">
+            <a:schemeClr val="accent1"/>
+          </a:lnRef>
+          <a:fillRef idx="0">
+            <a:schemeClr val="accent1"/>
+          </a:fillRef>
+          <a:effectRef idx="0">
+            <a:schemeClr val="accent1"/>
+          </a:effectRef>
+          <a:fontRef idx="minor">
+            <a:schemeClr val="tx1"/>
+          </a:fontRef>
+        </p:style>
+      </p:cxnSp>
+      <p:sp>
+        <p:nvSpPr>
+          <p:cNvPr id="84" name="TextBox 83"/>
+          <p:cNvSpPr txBox="1"/>
+          <p:nvPr/>
+        </p:nvSpPr>
+        <p:spPr>
+          <a:xfrm>
+            <a:off x="148341" y="141422"/>
+            <a:ext cx="3155607" cy="923330"/>
+          </a:xfrm>
+          <a:prstGeom prst="rect">
+            <a:avLst/>
+          </a:prstGeom>
+          <a:noFill/>
+        </p:spPr>
+        <p:txBody>
+          <a:bodyPr wrap="none" rtlCol="0">
+            <a:spAutoFit/>
+          </a:bodyPr>
+          <a:lstStyle/>
+          <a:p>
+            <a:r>
+              <a:rPr lang="en-US" dirty="0" smtClean="0">
+                <a:solidFill>
+                  <a:srgbClr val="FF0000"/>
+                </a:solidFill>
+              </a:rPr>
+              <a:t>Red – Request to module</a:t>
+            </a:r>
+          </a:p>
+          <a:p>
+            <a:r>
+              <a:rPr lang="en-US" dirty="0" smtClean="0">
+                <a:solidFill>
+                  <a:srgbClr val="00B050"/>
+                </a:solidFill>
+              </a:rPr>
+              <a:t>Green – Response from module</a:t>
+            </a:r>
+          </a:p>
+          <a:p>
+            <a:endParaRPr lang="en-US" dirty="0" smtClean="0">
+              <a:solidFill>
+                <a:srgbClr val="00B050"/>
+              </a:solidFill>
+            </a:endParaRPr>
+          </a:p>
+        </p:txBody>
+      </p:sp>
+      <p:sp>
+        <p:nvSpPr>
+          <p:cNvPr id="85" name="TextBox 84"/>
+          <p:cNvSpPr txBox="1"/>
+          <p:nvPr/>
+        </p:nvSpPr>
+        <p:spPr>
+          <a:xfrm>
+            <a:off x="9092315" y="2727134"/>
+            <a:ext cx="923907" cy="461665"/>
+          </a:xfrm>
+          <a:prstGeom prst="rect">
+            <a:avLst/>
+          </a:prstGeom>
+          <a:noFill/>
+        </p:spPr>
+        <p:txBody>
+          <a:bodyPr wrap="square" rtlCol="0">
+            <a:spAutoFit/>
+          </a:bodyPr>
+          <a:lstStyle/>
+          <a:p>
+            <a:r>
+              <a:rPr lang="en-US" sz="1200" smtClean="0">
+                <a:solidFill>
+                  <a:srgbClr val="0070C0"/>
+                </a:solidFill>
+              </a:rPr>
+              <a:t>Request for latest posts</a:t>
+            </a:r>
+            <a:endParaRPr lang="en-US" sz="1200" dirty="0">
+              <a:solidFill>
+                <a:srgbClr val="0070C0"/>
+              </a:solidFill>
+            </a:endParaRPr>
+          </a:p>
+        </p:txBody>
+      </p:sp>
+      <p:cxnSp>
+        <p:nvCxnSpPr>
+          <p:cNvPr id="103" name="Straight Arrow Connector 102"/>
+          <p:cNvCxnSpPr/>
+          <p:nvPr/>
+        </p:nvCxnSpPr>
+        <p:spPr>
+          <a:xfrm flipV="1">
+            <a:off x="7006591" y="4292920"/>
+            <a:ext cx="0" cy="634066"/>
+          </a:xfrm>
+          <a:prstGeom prst="straightConnector1">
+            <a:avLst/>
+          </a:prstGeom>
+          <a:ln>
+            <a:solidFill>
+              <a:srgbClr val="FF0000"/>
+            </a:solidFill>
+            <a:tailEnd type="triangle"/>
+          </a:ln>
+        </p:spPr>
+        <p:style>
+          <a:lnRef idx="1">
+            <a:schemeClr val="accent1"/>
+          </a:lnRef>
+          <a:fillRef idx="0">
+            <a:schemeClr val="accent1"/>
+          </a:fillRef>
+          <a:effectRef idx="0">
+            <a:schemeClr val="accent1"/>
+          </a:effectRef>
+          <a:fontRef idx="minor">
+            <a:schemeClr val="tx1"/>
+          </a:fontRef>
+        </p:style>
+      </p:cxnSp>
+      <p:cxnSp>
+        <p:nvCxnSpPr>
+          <p:cNvPr id="104" name="Straight Arrow Connector 103"/>
+          <p:cNvCxnSpPr/>
+          <p:nvPr/>
+        </p:nvCxnSpPr>
+        <p:spPr>
+          <a:xfrm>
+            <a:off x="6776307" y="4340218"/>
+            <a:ext cx="0" cy="606808"/>
+          </a:xfrm>
+          <a:prstGeom prst="straightConnector1">
+            <a:avLst/>
+          </a:prstGeom>
+          <a:ln>
+            <a:solidFill>
+              <a:srgbClr val="00B050"/>
+            </a:solidFill>
+            <a:tailEnd type="triangle"/>
+          </a:ln>
+        </p:spPr>
+        <p:style>
+          <a:lnRef idx="1">
+            <a:schemeClr val="accent1"/>
+          </a:lnRef>
+          <a:fillRef idx="0">
+            <a:schemeClr val="accent1"/>
+          </a:fillRef>
+          <a:effectRef idx="0">
+            <a:schemeClr val="accent1"/>
+          </a:effectRef>
+          <a:fontRef idx="minor">
+            <a:schemeClr val="tx1"/>
+          </a:fontRef>
+        </p:style>
+      </p:cxnSp>
+      <p:sp>
+        <p:nvSpPr>
+          <p:cNvPr id="105" name="TextBox 104"/>
+          <p:cNvSpPr txBox="1"/>
+          <p:nvPr/>
+        </p:nvSpPr>
+        <p:spPr>
+          <a:xfrm>
+            <a:off x="7078315" y="4310835"/>
+            <a:ext cx="1249457" cy="646331"/>
+          </a:xfrm>
+          <a:prstGeom prst="rect">
+            <a:avLst/>
+          </a:prstGeom>
+          <a:noFill/>
+        </p:spPr>
+        <p:txBody>
+          <a:bodyPr wrap="square" rtlCol="0">
+            <a:spAutoFit/>
+          </a:bodyPr>
+          <a:lstStyle/>
+          <a:p>
+            <a:r>
+              <a:rPr lang="en-US" sz="1200" smtClean="0">
+                <a:solidFill>
+                  <a:srgbClr val="0070C0"/>
+                </a:solidFill>
+              </a:rPr>
+              <a:t>Request Prediction from  Features</a:t>
+            </a:r>
+            <a:endParaRPr lang="en-US" sz="1200" dirty="0">
+              <a:solidFill>
+                <a:srgbClr val="0070C0"/>
+              </a:solidFill>
+            </a:endParaRPr>
+          </a:p>
+        </p:txBody>
+      </p:sp>
+      <p:cxnSp>
+        <p:nvCxnSpPr>
+          <p:cNvPr id="126" name="Straight Arrow Connector 125"/>
+          <p:cNvCxnSpPr/>
+          <p:nvPr/>
+        </p:nvCxnSpPr>
+        <p:spPr>
+          <a:xfrm flipV="1">
+            <a:off x="1911920" y="2435520"/>
+            <a:ext cx="0" cy="893882"/>
+          </a:xfrm>
+          <a:prstGeom prst="straightConnector1">
+            <a:avLst/>
+          </a:prstGeom>
+          <a:ln>
+            <a:solidFill>
+              <a:srgbClr val="FF0000"/>
+            </a:solidFill>
+            <a:tailEnd type="triangle"/>
+          </a:ln>
+        </p:spPr>
+        <p:style>
+          <a:lnRef idx="1">
+            <a:schemeClr val="accent1"/>
+          </a:lnRef>
+          <a:fillRef idx="0">
+            <a:schemeClr val="accent1"/>
+          </a:fillRef>
+          <a:effectRef idx="0">
+            <a:schemeClr val="accent1"/>
+          </a:effectRef>
+          <a:fontRef idx="minor">
+            <a:schemeClr val="tx1"/>
+          </a:fontRef>
+        </p:style>
+      </p:cxnSp>
+      <p:cxnSp>
+        <p:nvCxnSpPr>
+          <p:cNvPr id="127" name="Straight Arrow Connector 126"/>
+          <p:cNvCxnSpPr/>
+          <p:nvPr/>
+        </p:nvCxnSpPr>
+        <p:spPr>
+          <a:xfrm>
+            <a:off x="1681636" y="2467052"/>
+            <a:ext cx="0" cy="862350"/>
+          </a:xfrm>
+          <a:prstGeom prst="straightConnector1">
+            <a:avLst/>
+          </a:prstGeom>
+          <a:ln>
+            <a:solidFill>
+              <a:srgbClr val="00B050"/>
+            </a:solidFill>
+            <a:tailEnd type="triangle"/>
+          </a:ln>
+        </p:spPr>
+        <p:style>
+          <a:lnRef idx="1">
+            <a:schemeClr val="accent1"/>
+          </a:lnRef>
+          <a:fillRef idx="0">
+            <a:schemeClr val="accent1"/>
+          </a:fillRef>
+          <a:effectRef idx="0">
+            <a:schemeClr val="accent1"/>
+          </a:effectRef>
+          <a:fontRef idx="minor">
+            <a:schemeClr val="tx1"/>
+          </a:fontRef>
+        </p:style>
+      </p:cxnSp>
+      <p:sp>
+        <p:nvSpPr>
+          <p:cNvPr id="128" name="TextBox 127"/>
+          <p:cNvSpPr txBox="1"/>
+          <p:nvPr/>
+        </p:nvSpPr>
+        <p:spPr>
+          <a:xfrm>
+            <a:off x="188442" y="2705714"/>
+            <a:ext cx="1552071" cy="276999"/>
+          </a:xfrm>
+          <a:prstGeom prst="rect">
+            <a:avLst/>
+          </a:prstGeom>
+          <a:noFill/>
+        </p:spPr>
+        <p:txBody>
+          <a:bodyPr wrap="square" rtlCol="0">
+            <a:spAutoFit/>
+          </a:bodyPr>
+          <a:lstStyle/>
+          <a:p>
+            <a:r>
+              <a:rPr lang="en-US" sz="1200" smtClean="0">
+                <a:solidFill>
+                  <a:srgbClr val="0070C0"/>
+                </a:solidFill>
+              </a:rPr>
+              <a:t>Request for Post Rank</a:t>
+            </a:r>
+            <a:endParaRPr lang="en-US" sz="1200" dirty="0">
+              <a:solidFill>
+                <a:srgbClr val="0070C0"/>
+              </a:solidFill>
+            </a:endParaRPr>
+          </a:p>
+        </p:txBody>
+      </p:sp>
+      <p:cxnSp>
+        <p:nvCxnSpPr>
+          <p:cNvPr id="144" name="Straight Arrow Connector 143"/>
+          <p:cNvCxnSpPr/>
+          <p:nvPr/>
+        </p:nvCxnSpPr>
+        <p:spPr>
+          <a:xfrm flipV="1">
+            <a:off x="6490621" y="4286094"/>
+            <a:ext cx="0" cy="634066"/>
+          </a:xfrm>
+          <a:prstGeom prst="straightConnector1">
+            <a:avLst/>
+          </a:prstGeom>
+          <a:ln>
+            <a:solidFill>
+              <a:srgbClr val="FF0000"/>
+            </a:solidFill>
+            <a:tailEnd type="triangle"/>
+          </a:ln>
+        </p:spPr>
+        <p:style>
+          <a:lnRef idx="1">
+            <a:schemeClr val="accent1"/>
+          </a:lnRef>
+          <a:fillRef idx="0">
+            <a:schemeClr val="accent1"/>
+          </a:fillRef>
+          <a:effectRef idx="0">
+            <a:schemeClr val="accent1"/>
+          </a:effectRef>
+          <a:fontRef idx="minor">
+            <a:schemeClr val="tx1"/>
+          </a:fontRef>
+        </p:style>
+      </p:cxnSp>
+      <p:cxnSp>
+        <p:nvCxnSpPr>
+          <p:cNvPr id="145" name="Straight Arrow Connector 144"/>
+          <p:cNvCxnSpPr/>
+          <p:nvPr/>
+        </p:nvCxnSpPr>
+        <p:spPr>
+          <a:xfrm>
+            <a:off x="6260337" y="4286094"/>
+            <a:ext cx="0" cy="640892"/>
+          </a:xfrm>
+          <a:prstGeom prst="straightConnector1">
+            <a:avLst/>
+          </a:prstGeom>
+          <a:ln>
+            <a:solidFill>
+              <a:srgbClr val="00B050"/>
+            </a:solidFill>
+            <a:tailEnd type="triangle"/>
+          </a:ln>
+        </p:spPr>
+        <p:style>
+          <a:lnRef idx="1">
+            <a:schemeClr val="accent1"/>
+          </a:lnRef>
+          <a:fillRef idx="0">
+            <a:schemeClr val="accent1"/>
+          </a:fillRef>
+          <a:effectRef idx="0">
+            <a:schemeClr val="accent1"/>
+          </a:effectRef>
+          <a:fontRef idx="minor">
+            <a:schemeClr val="tx1"/>
+          </a:fontRef>
+        </p:style>
+      </p:cxnSp>
+      <p:sp>
+        <p:nvSpPr>
+          <p:cNvPr id="146" name="TextBox 145"/>
+          <p:cNvSpPr txBox="1"/>
+          <p:nvPr/>
+        </p:nvSpPr>
+        <p:spPr>
+          <a:xfrm>
+            <a:off x="4950363" y="4368424"/>
+            <a:ext cx="1520624" cy="461665"/>
+          </a:xfrm>
+          <a:prstGeom prst="rect">
+            <a:avLst/>
+          </a:prstGeom>
+          <a:noFill/>
+        </p:spPr>
+        <p:txBody>
+          <a:bodyPr wrap="square" rtlCol="0">
+            <a:spAutoFit/>
+          </a:bodyPr>
+          <a:lstStyle/>
+          <a:p>
+            <a:r>
+              <a:rPr lang="en-US" sz="1200" dirty="0" smtClean="0">
+                <a:solidFill>
+                  <a:srgbClr val="0070C0"/>
+                </a:solidFill>
+              </a:rPr>
+              <a:t>Trains NN using  Hypothesis Results</a:t>
+            </a:r>
+            <a:endParaRPr lang="en-US" sz="1200" dirty="0">
+              <a:solidFill>
+                <a:srgbClr val="0070C0"/>
+              </a:solidFill>
+            </a:endParaRPr>
+          </a:p>
+        </p:txBody>
+      </p:sp>
+      <p:sp>
+        <p:nvSpPr>
+          <p:cNvPr id="167" name="Oval 166"/>
+          <p:cNvSpPr/>
+          <p:nvPr/>
+        </p:nvSpPr>
+        <p:spPr>
+          <a:xfrm>
+            <a:off x="10518679" y="2796244"/>
+            <a:ext cx="299544" cy="299544"/>
+          </a:xfrm>
+          <a:prstGeom prst="ellipse">
+            <a:avLst/>
+          </a:prstGeom>
+          <a:solidFill>
+            <a:srgbClr val="FFC000"/>
+          </a:solidFill>
+          <a:ln>
+            <a:noFill/>
+          </a:ln>
+        </p:spPr>
+        <p:style>
+          <a:lnRef idx="2">
+            <a:schemeClr val="accent1">
+              <a:shade val="50000"/>
+            </a:schemeClr>
+          </a:lnRef>
+          <a:fillRef idx="1">
+            <a:schemeClr val="accent1"/>
+          </a:fillRef>
+          <a:effectRef idx="0">
+            <a:schemeClr val="accent1"/>
+          </a:effectRef>
+          <a:fontRef idx="minor">
+            <a:schemeClr val="lt1"/>
+          </a:fontRef>
+        </p:style>
+        <p:txBody>
+          <a:bodyPr rtlCol="0" anchor="ctr"/>
+          <a:lstStyle/>
+          <a:p>
+            <a:pPr algn="ctr"/>
+            <a:endParaRPr lang="en-US"/>
+          </a:p>
+        </p:txBody>
+      </p:sp>
+      <p:sp>
+        <p:nvSpPr>
+          <p:cNvPr id="172" name="Oval 171"/>
+          <p:cNvSpPr/>
+          <p:nvPr/>
+        </p:nvSpPr>
+        <p:spPr>
+          <a:xfrm>
+            <a:off x="-67966" y="2748455"/>
+            <a:ext cx="299544" cy="299544"/>
+          </a:xfrm>
+          <a:prstGeom prst="ellipse">
+            <a:avLst/>
+          </a:prstGeom>
+          <a:solidFill>
+            <a:srgbClr val="7030A0"/>
+          </a:solidFill>
+          <a:ln>
+            <a:noFill/>
+          </a:ln>
+        </p:spPr>
+        <p:style>
+          <a:lnRef idx="2">
+            <a:schemeClr val="accent1">
+              <a:shade val="50000"/>
+            </a:schemeClr>
+          </a:lnRef>
+          <a:fillRef idx="1">
+            <a:schemeClr val="accent1"/>
+          </a:fillRef>
+          <a:effectRef idx="0">
+            <a:schemeClr val="accent1"/>
+          </a:effectRef>
+          <a:fontRef idx="minor">
+            <a:schemeClr val="lt1"/>
+          </a:fontRef>
+        </p:style>
+        <p:txBody>
+          <a:bodyPr rtlCol="0" anchor="ctr"/>
+          <a:lstStyle/>
+          <a:p>
+            <a:pPr algn="ctr"/>
+            <a:endParaRPr lang="en-US"/>
+          </a:p>
+        </p:txBody>
+      </p:sp>
+      <p:sp>
+        <p:nvSpPr>
+          <p:cNvPr id="173" name="Oval 172"/>
+          <p:cNvSpPr/>
+          <p:nvPr/>
+        </p:nvSpPr>
+        <p:spPr>
+          <a:xfrm>
+            <a:off x="4703251" y="4460181"/>
+            <a:ext cx="299544" cy="299544"/>
+          </a:xfrm>
+          <a:prstGeom prst="ellipse">
+            <a:avLst/>
+          </a:prstGeom>
+          <a:solidFill>
+            <a:srgbClr val="7030A0"/>
+          </a:solidFill>
+          <a:ln>
+            <a:noFill/>
+          </a:ln>
+        </p:spPr>
+        <p:style>
+          <a:lnRef idx="2">
+            <a:schemeClr val="accent1">
+              <a:shade val="50000"/>
+            </a:schemeClr>
+          </a:lnRef>
+          <a:fillRef idx="1">
+            <a:schemeClr val="accent1"/>
+          </a:fillRef>
+          <a:effectRef idx="0">
+            <a:schemeClr val="accent1"/>
+          </a:effectRef>
+          <a:fontRef idx="minor">
+            <a:schemeClr val="lt1"/>
+          </a:fontRef>
+        </p:style>
+        <p:txBody>
+          <a:bodyPr rtlCol="0" anchor="ctr"/>
+          <a:lstStyle/>
+          <a:p>
+            <a:pPr algn="ctr"/>
+            <a:endParaRPr lang="en-US" b="1"/>
+          </a:p>
+        </p:txBody>
+      </p:sp>
+      <p:sp>
+        <p:nvSpPr>
+          <p:cNvPr id="176" name="Oval 175"/>
+          <p:cNvSpPr/>
+          <p:nvPr/>
+        </p:nvSpPr>
+        <p:spPr>
+          <a:xfrm>
+            <a:off x="3722424" y="186412"/>
+            <a:ext cx="299544" cy="299544"/>
+          </a:xfrm>
+          <a:prstGeom prst="ellipse">
+            <a:avLst/>
+          </a:prstGeom>
+          <a:solidFill>
+            <a:srgbClr val="FFC000"/>
+          </a:solidFill>
+          <a:ln>
+            <a:noFill/>
+          </a:ln>
+        </p:spPr>
+        <p:style>
+          <a:lnRef idx="2">
+            <a:schemeClr val="accent1">
+              <a:shade val="50000"/>
+            </a:schemeClr>
+          </a:lnRef>
+          <a:fillRef idx="1">
+            <a:schemeClr val="accent1"/>
+          </a:fillRef>
+          <a:effectRef idx="0">
+            <a:schemeClr val="accent1"/>
+          </a:effectRef>
+          <a:fontRef idx="minor">
+            <a:schemeClr val="lt1"/>
+          </a:fontRef>
+        </p:style>
+        <p:txBody>
+          <a:bodyPr rtlCol="0" anchor="ctr"/>
+          <a:lstStyle/>
+          <a:p>
+            <a:pPr algn="ctr"/>
+            <a:endParaRPr lang="en-US"/>
+          </a:p>
+        </p:txBody>
+      </p:sp>
+      <p:sp>
+        <p:nvSpPr>
+          <p:cNvPr id="178" name="TextBox 177"/>
+          <p:cNvSpPr txBox="1"/>
+          <p:nvPr/>
+        </p:nvSpPr>
+        <p:spPr>
+          <a:xfrm>
+            <a:off x="4077603" y="109554"/>
+            <a:ext cx="8156400" cy="523220"/>
+          </a:xfrm>
+          <a:prstGeom prst="rect">
+            <a:avLst/>
+          </a:prstGeom>
+          <a:noFill/>
+        </p:spPr>
+        <p:txBody>
+          <a:bodyPr wrap="square" rtlCol="0">
+            <a:spAutoFit/>
+          </a:bodyPr>
+          <a:lstStyle/>
+          <a:p>
+            <a:r>
+              <a:rPr lang="en-US" sz="1400" dirty="0" smtClean="0"/>
+              <a:t>Separate thread on the control unit. Some operations depend on each other; some don’t. Computations are grouped into threads by their mutual dependency. </a:t>
+            </a:r>
+            <a:endParaRPr lang="en-US" sz="1400" dirty="0"/>
+          </a:p>
+        </p:txBody>
+      </p:sp>
+      <p:sp>
+        <p:nvSpPr>
+          <p:cNvPr id="2" name="TextBox 1"/>
+          <p:cNvSpPr txBox="1"/>
+          <p:nvPr/>
+        </p:nvSpPr>
+        <p:spPr>
+          <a:xfrm>
+            <a:off x="5470071" y="2041071"/>
+            <a:ext cx="1171218" cy="369332"/>
+          </a:xfrm>
+          <a:prstGeom prst="rect">
+            <a:avLst/>
+          </a:prstGeom>
+          <a:noFill/>
+        </p:spPr>
+        <p:txBody>
+          <a:bodyPr wrap="none" rtlCol="0">
+            <a:spAutoFit/>
+          </a:bodyPr>
+          <a:lstStyle/>
+          <a:p>
+            <a:r>
+              <a:rPr lang="en-US" dirty="0" smtClean="0"/>
+              <a:t>PROGRESS</a:t>
+            </a:r>
+            <a:endParaRPr lang="en-US" dirty="0"/>
+          </a:p>
+        </p:txBody>
+      </p:sp>
+    </p:spTree>
+    <p:extLst>
+      <p:ext uri="{BB962C8B-B14F-4D97-AF65-F5344CB8AC3E}">
+        <p14:creationId xmlns:p14="http://schemas.microsoft.com/office/powerpoint/2010/main" val="2021453040"/>
       </p:ext>
     </p:extLst>
   </p:cSld>

--- a/Architecture.pptx
+++ b/Architecture.pptx
@@ -7799,97 +7799,6 @@
           </p:txBody>
         </p:sp>
       </p:grpSp>
-      <p:grpSp>
-        <p:nvGrpSpPr>
-          <p:cNvPr id="24" name="Group 23"/>
-          <p:cNvGrpSpPr/>
-          <p:nvPr/>
-        </p:nvGrpSpPr>
-        <p:grpSpPr>
-          <a:xfrm>
-            <a:off x="4798759" y="4931203"/>
-            <a:ext cx="2596347" cy="1068060"/>
-            <a:chOff x="1773382" y="1108364"/>
-            <a:chExt cx="3456053" cy="1559049"/>
-          </a:xfrm>
-        </p:grpSpPr>
-        <p:sp>
-          <p:nvSpPr>
-            <p:cNvPr id="25" name="Rectangle 24"/>
-            <p:cNvSpPr/>
-            <p:nvPr/>
-          </p:nvSpPr>
-          <p:spPr>
-            <a:xfrm>
-              <a:off x="1773382" y="1108364"/>
-              <a:ext cx="3269673" cy="1559049"/>
-            </a:xfrm>
-            <a:prstGeom prst="rect">
-              <a:avLst/>
-            </a:prstGeom>
-            <a:noFill/>
-            <a:ln>
-              <a:solidFill>
-                <a:schemeClr val="tx1"/>
-              </a:solidFill>
-            </a:ln>
-          </p:spPr>
-          <p:style>
-            <a:lnRef idx="2">
-              <a:schemeClr val="accent1">
-                <a:shade val="50000"/>
-              </a:schemeClr>
-            </a:lnRef>
-            <a:fillRef idx="1">
-              <a:schemeClr val="accent1"/>
-            </a:fillRef>
-            <a:effectRef idx="0">
-              <a:schemeClr val="accent1"/>
-            </a:effectRef>
-            <a:fontRef idx="minor">
-              <a:schemeClr val="lt1"/>
-            </a:fontRef>
-          </p:style>
-          <p:txBody>
-            <a:bodyPr rtlCol="0" anchor="ctr"/>
-            <a:lstStyle/>
-            <a:p>
-              <a:pPr algn="ctr"/>
-              <a:endParaRPr lang="en-US"/>
-            </a:p>
-          </p:txBody>
-        </p:sp>
-        <p:sp>
-          <p:nvSpPr>
-            <p:cNvPr id="26" name="TextBox 25"/>
-            <p:cNvSpPr txBox="1"/>
-            <p:nvPr/>
-          </p:nvSpPr>
-          <p:spPr>
-            <a:xfrm>
-              <a:off x="2474095" y="1675966"/>
-              <a:ext cx="2755340" cy="714083"/>
-            </a:xfrm>
-            <a:prstGeom prst="rect">
-              <a:avLst/>
-            </a:prstGeom>
-            <a:noFill/>
-          </p:spPr>
-          <p:txBody>
-            <a:bodyPr wrap="square" rtlCol="0">
-              <a:spAutoFit/>
-            </a:bodyPr>
-            <a:lstStyle/>
-            <a:p>
-              <a:r>
-                <a:rPr lang="en-US" sz="1400" b="1" smtClean="0"/>
-                <a:t>NeuralNetwork</a:t>
-              </a:r>
-              <a:endParaRPr lang="en-US" sz="1400" b="1" dirty="0"/>
-            </a:p>
-          </p:txBody>
-        </p:sp>
-      </p:grpSp>
       <p:cxnSp>
         <p:nvCxnSpPr>
           <p:cNvPr id="73" name="Straight Arrow Connector 72"/>
@@ -8052,116 +7961,6 @@
       </p:sp>
       <p:cxnSp>
         <p:nvCxnSpPr>
-          <p:cNvPr id="103" name="Straight Arrow Connector 102"/>
-          <p:cNvCxnSpPr/>
-          <p:nvPr/>
-        </p:nvCxnSpPr>
-        <p:spPr>
-          <a:xfrm flipV="1">
-            <a:off x="7006591" y="4292920"/>
-            <a:ext cx="0" cy="634066"/>
-          </a:xfrm>
-          <a:prstGeom prst="straightConnector1">
-            <a:avLst/>
-          </a:prstGeom>
-          <a:ln>
-            <a:solidFill>
-              <a:srgbClr val="FF0000"/>
-            </a:solidFill>
-            <a:tailEnd type="triangle"/>
-          </a:ln>
-        </p:spPr>
-        <p:style>
-          <a:lnRef idx="1">
-            <a:schemeClr val="accent1"/>
-          </a:lnRef>
-          <a:fillRef idx="0">
-            <a:schemeClr val="accent1"/>
-          </a:fillRef>
-          <a:effectRef idx="0">
-            <a:schemeClr val="accent1"/>
-          </a:effectRef>
-          <a:fontRef idx="minor">
-            <a:schemeClr val="tx1"/>
-          </a:fontRef>
-        </p:style>
-      </p:cxnSp>
-      <p:cxnSp>
-        <p:nvCxnSpPr>
-          <p:cNvPr id="104" name="Straight Arrow Connector 103"/>
-          <p:cNvCxnSpPr/>
-          <p:nvPr/>
-        </p:nvCxnSpPr>
-        <p:spPr>
-          <a:xfrm>
-            <a:off x="6776307" y="4340218"/>
-            <a:ext cx="0" cy="606808"/>
-          </a:xfrm>
-          <a:prstGeom prst="straightConnector1">
-            <a:avLst/>
-          </a:prstGeom>
-          <a:ln>
-            <a:solidFill>
-              <a:srgbClr val="00B050"/>
-            </a:solidFill>
-            <a:tailEnd type="triangle"/>
-          </a:ln>
-        </p:spPr>
-        <p:style>
-          <a:lnRef idx="1">
-            <a:schemeClr val="accent1"/>
-          </a:lnRef>
-          <a:fillRef idx="0">
-            <a:schemeClr val="accent1"/>
-          </a:fillRef>
-          <a:effectRef idx="0">
-            <a:schemeClr val="accent1"/>
-          </a:effectRef>
-          <a:fontRef idx="minor">
-            <a:schemeClr val="tx1"/>
-          </a:fontRef>
-        </p:style>
-      </p:cxnSp>
-      <p:sp>
-        <p:nvSpPr>
-          <p:cNvPr id="105" name="TextBox 104"/>
-          <p:cNvSpPr txBox="1"/>
-          <p:nvPr/>
-        </p:nvSpPr>
-        <p:spPr>
-          <a:xfrm>
-            <a:off x="7078315" y="4310835"/>
-            <a:ext cx="1249457" cy="646331"/>
-          </a:xfrm>
-          <a:prstGeom prst="rect">
-            <a:avLst/>
-          </a:prstGeom>
-          <a:noFill/>
-        </p:spPr>
-        <p:txBody>
-          <a:bodyPr wrap="square" rtlCol="0">
-            <a:spAutoFit/>
-          </a:bodyPr>
-          <a:lstStyle/>
-          <a:p>
-            <a:r>
-              <a:rPr lang="en-US" sz="1200" smtClean="0">
-                <a:solidFill>
-                  <a:srgbClr val="0070C0"/>
-                </a:solidFill>
-              </a:rPr>
-              <a:t>Request Prediction from  Features</a:t>
-            </a:r>
-            <a:endParaRPr lang="en-US" sz="1200" dirty="0">
-              <a:solidFill>
-                <a:srgbClr val="0070C0"/>
-              </a:solidFill>
-            </a:endParaRPr>
-          </a:p>
-        </p:txBody>
-      </p:sp>
-      <p:cxnSp>
-        <p:nvCxnSpPr>
           <p:cNvPr id="126" name="Straight Arrow Connector 125"/>
           <p:cNvCxnSpPr/>
           <p:nvPr/>
@@ -8261,116 +8060,6 @@
                 </a:solidFill>
               </a:rPr>
               <a:t>Request for Post Rank</a:t>
-            </a:r>
-            <a:endParaRPr lang="en-US" sz="1200" dirty="0">
-              <a:solidFill>
-                <a:srgbClr val="0070C0"/>
-              </a:solidFill>
-            </a:endParaRPr>
-          </a:p>
-        </p:txBody>
-      </p:sp>
-      <p:cxnSp>
-        <p:nvCxnSpPr>
-          <p:cNvPr id="144" name="Straight Arrow Connector 143"/>
-          <p:cNvCxnSpPr/>
-          <p:nvPr/>
-        </p:nvCxnSpPr>
-        <p:spPr>
-          <a:xfrm flipV="1">
-            <a:off x="6490621" y="4286094"/>
-            <a:ext cx="0" cy="634066"/>
-          </a:xfrm>
-          <a:prstGeom prst="straightConnector1">
-            <a:avLst/>
-          </a:prstGeom>
-          <a:ln>
-            <a:solidFill>
-              <a:srgbClr val="FF0000"/>
-            </a:solidFill>
-            <a:tailEnd type="triangle"/>
-          </a:ln>
-        </p:spPr>
-        <p:style>
-          <a:lnRef idx="1">
-            <a:schemeClr val="accent1"/>
-          </a:lnRef>
-          <a:fillRef idx="0">
-            <a:schemeClr val="accent1"/>
-          </a:fillRef>
-          <a:effectRef idx="0">
-            <a:schemeClr val="accent1"/>
-          </a:effectRef>
-          <a:fontRef idx="minor">
-            <a:schemeClr val="tx1"/>
-          </a:fontRef>
-        </p:style>
-      </p:cxnSp>
-      <p:cxnSp>
-        <p:nvCxnSpPr>
-          <p:cNvPr id="145" name="Straight Arrow Connector 144"/>
-          <p:cNvCxnSpPr/>
-          <p:nvPr/>
-        </p:nvCxnSpPr>
-        <p:spPr>
-          <a:xfrm>
-            <a:off x="6260337" y="4286094"/>
-            <a:ext cx="0" cy="640892"/>
-          </a:xfrm>
-          <a:prstGeom prst="straightConnector1">
-            <a:avLst/>
-          </a:prstGeom>
-          <a:ln>
-            <a:solidFill>
-              <a:srgbClr val="00B050"/>
-            </a:solidFill>
-            <a:tailEnd type="triangle"/>
-          </a:ln>
-        </p:spPr>
-        <p:style>
-          <a:lnRef idx="1">
-            <a:schemeClr val="accent1"/>
-          </a:lnRef>
-          <a:fillRef idx="0">
-            <a:schemeClr val="accent1"/>
-          </a:fillRef>
-          <a:effectRef idx="0">
-            <a:schemeClr val="accent1"/>
-          </a:effectRef>
-          <a:fontRef idx="minor">
-            <a:schemeClr val="tx1"/>
-          </a:fontRef>
-        </p:style>
-      </p:cxnSp>
-      <p:sp>
-        <p:nvSpPr>
-          <p:cNvPr id="146" name="TextBox 145"/>
-          <p:cNvSpPr txBox="1"/>
-          <p:nvPr/>
-        </p:nvSpPr>
-        <p:spPr>
-          <a:xfrm>
-            <a:off x="4950363" y="4368424"/>
-            <a:ext cx="1520624" cy="461665"/>
-          </a:xfrm>
-          <a:prstGeom prst="rect">
-            <a:avLst/>
-          </a:prstGeom>
-          <a:noFill/>
-        </p:spPr>
-        <p:txBody>
-          <a:bodyPr wrap="square" rtlCol="0">
-            <a:spAutoFit/>
-          </a:bodyPr>
-          <a:lstStyle/>
-          <a:p>
-            <a:r>
-              <a:rPr lang="en-US" sz="1200" dirty="0" smtClean="0">
-                <a:solidFill>
-                  <a:srgbClr val="0070C0"/>
-                </a:solidFill>
-              </a:rPr>
-              <a:t>Trains NN using  Hypothesis Results</a:t>
             </a:r>
             <a:endParaRPr lang="en-US" sz="1200" dirty="0">
               <a:solidFill>
@@ -8474,52 +8163,6 @@
       </p:sp>
       <p:sp>
         <p:nvSpPr>
-          <p:cNvPr id="173" name="Oval 172"/>
-          <p:cNvSpPr/>
-          <p:nvPr/>
-        </p:nvSpPr>
-        <p:spPr>
-          <a:xfrm>
-            <a:off x="4703251" y="4460181"/>
-            <a:ext cx="299544" cy="299544"/>
-          </a:xfrm>
-          <a:prstGeom prst="ellipse">
-            <a:avLst/>
-          </a:prstGeom>
-          <a:solidFill>
-            <a:srgbClr val="7030A0"/>
-          </a:solidFill>
-          <a:ln>
-            <a:noFill/>
-          </a:ln>
-        </p:spPr>
-        <p:style>
-          <a:lnRef idx="2">
-            <a:schemeClr val="accent1">
-              <a:shade val="50000"/>
-            </a:schemeClr>
-          </a:lnRef>
-          <a:fillRef idx="1">
-            <a:schemeClr val="accent1"/>
-          </a:fillRef>
-          <a:effectRef idx="0">
-            <a:schemeClr val="accent1"/>
-          </a:effectRef>
-          <a:fontRef idx="minor">
-            <a:schemeClr val="lt1"/>
-          </a:fontRef>
-        </p:style>
-        <p:txBody>
-          <a:bodyPr rtlCol="0" anchor="ctr"/>
-          <a:lstStyle/>
-          <a:p>
-            <a:pPr algn="ctr"/>
-            <a:endParaRPr lang="en-US" b="1"/>
-          </a:p>
-        </p:txBody>
-      </p:sp>
-      <p:sp>
-        <p:nvSpPr>
           <p:cNvPr id="176" name="Oval 175"/>
           <p:cNvSpPr/>
           <p:nvPr/>
@@ -8603,7 +8246,7 @@
         <p:spPr>
           <a:xfrm>
             <a:off x="5470071" y="2041071"/>
-            <a:ext cx="1171218" cy="369332"/>
+            <a:ext cx="1858779" cy="369332"/>
           </a:xfrm>
           <a:prstGeom prst="rect">
             <a:avLst/>
@@ -8618,7 +8261,75 @@
           <a:p>
             <a:r>
               <a:rPr lang="en-US" dirty="0" smtClean="0"/>
-              <a:t>PROGRESS</a:t>
+              <a:t>What’s left to do?</a:t>
+            </a:r>
+            <a:endParaRPr lang="en-US" dirty="0"/>
+          </a:p>
+        </p:txBody>
+      </p:sp>
+      <p:sp>
+        <p:nvSpPr>
+          <p:cNvPr id="4" name="TextBox 3"/>
+          <p:cNvSpPr txBox="1"/>
+          <p:nvPr/>
+        </p:nvSpPr>
+        <p:spPr>
+          <a:xfrm>
+            <a:off x="604157" y="4601032"/>
+            <a:ext cx="3880934" cy="369332"/>
+          </a:xfrm>
+          <a:prstGeom prst="rect">
+            <a:avLst/>
+          </a:prstGeom>
+          <a:noFill/>
+        </p:spPr>
+        <p:txBody>
+          <a:bodyPr wrap="none" rtlCol="0">
+            <a:spAutoFit/>
+          </a:bodyPr>
+          <a:lstStyle/>
+          <a:p>
+            <a:r>
+              <a:rPr lang="en-US" dirty="0" smtClean="0"/>
+              <a:t>Need to do fix networking issues (</a:t>
+            </a:r>
+            <a:r>
+              <a:rPr lang="en-US" dirty="0" err="1" smtClean="0"/>
+              <a:t>recv</a:t>
+            </a:r>
+            <a:r>
+              <a:rPr lang="en-US" dirty="0" smtClean="0"/>
+              <a:t>) </a:t>
+            </a:r>
+            <a:endParaRPr lang="en-US" dirty="0"/>
+          </a:p>
+        </p:txBody>
+      </p:sp>
+      <p:sp>
+        <p:nvSpPr>
+          <p:cNvPr id="5" name="TextBox 4"/>
+          <p:cNvSpPr txBox="1"/>
+          <p:nvPr/>
+        </p:nvSpPr>
+        <p:spPr>
+          <a:xfrm>
+            <a:off x="604157" y="5075894"/>
+            <a:ext cx="907171" cy="369332"/>
+          </a:xfrm>
+          <a:prstGeom prst="rect">
+            <a:avLst/>
+          </a:prstGeom>
+          <a:noFill/>
+        </p:spPr>
+        <p:txBody>
+          <a:bodyPr wrap="none" rtlCol="0">
+            <a:spAutoFit/>
+          </a:bodyPr>
+          <a:lstStyle/>
+          <a:p>
+            <a:r>
+              <a:rPr lang="en-US" dirty="0" smtClean="0"/>
+              <a:t>Test NN</a:t>
             </a:r>
             <a:endParaRPr lang="en-US" dirty="0"/>
           </a:p>
